--- a/INFORMATION_FOR_PEOPLE/File Senior(название мб поменяем).pptx
+++ b/INFORMATION_FOR_PEOPLE/File Senior(название мб поменяем).pptx
@@ -7,10 +7,9 @@
   <p:sldIdLst>
     <p:sldId id="256" r:id="rId2"/>
     <p:sldId id="257" r:id="rId3"/>
-    <p:sldId id="260" r:id="rId4"/>
-    <p:sldId id="261" r:id="rId5"/>
-    <p:sldId id="259" r:id="rId6"/>
-    <p:sldId id="262" r:id="rId7"/>
+    <p:sldId id="263" r:id="rId4"/>
+    <p:sldId id="259" r:id="rId5"/>
+    <p:sldId id="262" r:id="rId6"/>
   </p:sldIdLst>
   <p:sldSz cx="12192000" cy="6858000"/>
   <p:notesSz cx="6858000" cy="9144000"/>
@@ -109,6 +108,11 @@
       </a:defRPr>
     </a:lvl9pPr>
   </p:defaultTextStyle>
+  <p:extLst>
+    <p:ext uri="{EFAFB233-063F-42B5-8137-9DF3F51BA10A}">
+      <p15:sldGuideLst xmlns:p15="http://schemas.microsoft.com/office/powerpoint/2012/main"/>
+    </p:ext>
+  </p:extLst>
 </p:presentation>
 </file>
 
@@ -282,7 +286,7 @@
           <a:p>
             <a:fld id="{48A87A34-81AB-432B-8DAE-1953F412C126}" type="datetimeFigureOut">
               <a:rPr lang="en-US" dirty="0"/>
-              <a:t>4/10/2022</a:t>
+              <a:t>4/21/2022</a:t>
             </a:fld>
             <a:endParaRPr lang="en-US" dirty="0"/>
           </a:p>
@@ -544,7 +548,7 @@
           <a:p>
             <a:fld id="{48A87A34-81AB-432B-8DAE-1953F412C126}" type="datetimeFigureOut">
               <a:rPr lang="en-US" dirty="0"/>
-              <a:t>4/10/2022</a:t>
+              <a:t>4/21/2022</a:t>
             </a:fld>
             <a:endParaRPr lang="en-US" dirty="0"/>
           </a:p>
@@ -771,7 +775,7 @@
             <a:fld id="{48A87A34-81AB-432B-8DAE-1953F412C126}" type="datetimeFigureOut">
               <a:rPr lang="en-US" dirty="0"/>
               <a:pPr/>
-              <a:t>4/10/2022</a:t>
+              <a:t>4/21/2022</a:t>
             </a:fld>
             <a:endParaRPr lang="en-US" dirty="0"/>
           </a:p>
@@ -1077,7 +1081,7 @@
             <a:fld id="{48A87A34-81AB-432B-8DAE-1953F412C126}" type="datetimeFigureOut">
               <a:rPr lang="en-US" dirty="0"/>
               <a:pPr/>
-              <a:t>4/10/2022</a:t>
+              <a:t>4/21/2022</a:t>
             </a:fld>
             <a:endParaRPr lang="en-US" dirty="0"/>
           </a:p>
@@ -1546,7 +1550,7 @@
             <a:fld id="{48A87A34-81AB-432B-8DAE-1953F412C126}" type="datetimeFigureOut">
               <a:rPr lang="en-US" dirty="0"/>
               <a:pPr/>
-              <a:t>4/10/2022</a:t>
+              <a:t>4/21/2022</a:t>
             </a:fld>
             <a:endParaRPr lang="en-US" dirty="0"/>
           </a:p>
@@ -2088,7 +2092,7 @@
           <a:p>
             <a:fld id="{48A87A34-81AB-432B-8DAE-1953F412C126}" type="datetimeFigureOut">
               <a:rPr lang="en-US" dirty="0"/>
-              <a:t>4/10/2022</a:t>
+              <a:t>4/21/2022</a:t>
             </a:fld>
             <a:endParaRPr lang="en-US" dirty="0"/>
           </a:p>
@@ -2857,7 +2861,7 @@
           <a:p>
             <a:fld id="{48A87A34-81AB-432B-8DAE-1953F412C126}" type="datetimeFigureOut">
               <a:rPr lang="en-US" dirty="0"/>
-              <a:t>4/10/2022</a:t>
+              <a:t>4/21/2022</a:t>
             </a:fld>
             <a:endParaRPr lang="en-US" dirty="0"/>
           </a:p>
@@ -3027,7 +3031,7 @@
           <a:p>
             <a:fld id="{48A87A34-81AB-432B-8DAE-1953F412C126}" type="datetimeFigureOut">
               <a:rPr lang="en-US" dirty="0"/>
-              <a:t>4/10/2022</a:t>
+              <a:t>4/21/2022</a:t>
             </a:fld>
             <a:endParaRPr lang="en-US" dirty="0"/>
           </a:p>
@@ -3246,7 +3250,7 @@
             <a:fld id="{48A87A34-81AB-432B-8DAE-1953F412C126}" type="datetimeFigureOut">
               <a:rPr lang="en-US" dirty="0"/>
               <a:pPr/>
-              <a:t>4/10/2022</a:t>
+              <a:t>4/21/2022</a:t>
             </a:fld>
             <a:endParaRPr lang="en-US" dirty="0"/>
           </a:p>
@@ -3421,7 +3425,7 @@
           <a:p>
             <a:fld id="{48A87A34-81AB-432B-8DAE-1953F412C126}" type="datetimeFigureOut">
               <a:rPr lang="en-US" dirty="0"/>
-              <a:t>4/10/2022</a:t>
+              <a:t>4/21/2022</a:t>
             </a:fld>
             <a:endParaRPr lang="en-US" dirty="0"/>
           </a:p>
@@ -3706,7 +3710,7 @@
             <a:fld id="{48A87A34-81AB-432B-8DAE-1953F412C126}" type="datetimeFigureOut">
               <a:rPr lang="en-US" dirty="0"/>
               <a:pPr/>
-              <a:t>4/10/2022</a:t>
+              <a:t>4/21/2022</a:t>
             </a:fld>
             <a:endParaRPr lang="en-US" dirty="0"/>
           </a:p>
@@ -3943,7 +3947,7 @@
           <a:p>
             <a:fld id="{48A87A34-81AB-432B-8DAE-1953F412C126}" type="datetimeFigureOut">
               <a:rPr lang="en-US" dirty="0"/>
-              <a:t>4/10/2022</a:t>
+              <a:t>4/21/2022</a:t>
             </a:fld>
             <a:endParaRPr lang="en-US" dirty="0"/>
           </a:p>
@@ -4317,7 +4321,7 @@
           <a:p>
             <a:fld id="{48A87A34-81AB-432B-8DAE-1953F412C126}" type="datetimeFigureOut">
               <a:rPr lang="en-US" dirty="0"/>
-              <a:t>4/10/2022</a:t>
+              <a:t>4/21/2022</a:t>
             </a:fld>
             <a:endParaRPr lang="en-US" dirty="0"/>
           </a:p>
@@ -4430,7 +4434,7 @@
           <a:p>
             <a:fld id="{48A87A34-81AB-432B-8DAE-1953F412C126}" type="datetimeFigureOut">
               <a:rPr lang="en-US" dirty="0"/>
-              <a:t>4/10/2022</a:t>
+              <a:t>4/21/2022</a:t>
             </a:fld>
             <a:endParaRPr lang="en-US" dirty="0"/>
           </a:p>
@@ -4520,7 +4524,7 @@
           <a:p>
             <a:fld id="{48A87A34-81AB-432B-8DAE-1953F412C126}" type="datetimeFigureOut">
               <a:rPr lang="en-US" dirty="0"/>
-              <a:t>4/10/2022</a:t>
+              <a:t>4/21/2022</a:t>
             </a:fld>
             <a:endParaRPr lang="en-US" dirty="0"/>
           </a:p>
@@ -4764,7 +4768,7 @@
           <a:p>
             <a:fld id="{48A87A34-81AB-432B-8DAE-1953F412C126}" type="datetimeFigureOut">
               <a:rPr lang="en-US" dirty="0"/>
-              <a:t>4/10/2022</a:t>
+              <a:t>4/21/2022</a:t>
             </a:fld>
             <a:endParaRPr lang="en-US" dirty="0"/>
           </a:p>
@@ -5016,7 +5020,7 @@
           <a:p>
             <a:fld id="{48A87A34-81AB-432B-8DAE-1953F412C126}" type="datetimeFigureOut">
               <a:rPr lang="en-US" dirty="0"/>
-              <a:t>4/10/2022</a:t>
+              <a:t>4/21/2022</a:t>
             </a:fld>
             <a:endParaRPr lang="en-US" dirty="0"/>
           </a:p>
@@ -5255,7 +5259,7 @@
             <a:fld id="{48A87A34-81AB-432B-8DAE-1953F412C126}" type="datetimeFigureOut">
               <a:rPr lang="en-US" dirty="0"/>
               <a:pPr/>
-              <a:t>4/10/2022</a:t>
+              <a:t>4/21/2022</a:t>
             </a:fld>
             <a:endParaRPr lang="en-US" dirty="0"/>
           </a:p>
@@ -5685,20 +5689,9 @@
           <a:p>
             <a:r>
               <a:rPr lang="en-US" dirty="0"/>
-              <a:t>File Senior</a:t>
-            </a:r>
-            <a:r>
-              <a:rPr lang="ru-RU" sz="1800" dirty="0"/>
-              <a:t>(название </a:t>
-            </a:r>
-            <a:r>
-              <a:rPr lang="ru-RU" sz="1800" dirty="0" err="1"/>
-              <a:t>мб</a:t>
-            </a:r>
-            <a:r>
-              <a:rPr lang="ru-RU" sz="1800" dirty="0"/>
-              <a:t> поменяем)</a:t>
-            </a:r>
+              <a:t>PDF Senior</a:t>
+            </a:r>
+            <a:endParaRPr lang="ru-RU" sz="1800" dirty="0"/>
           </a:p>
         </p:txBody>
       </p:sp>
@@ -5738,7 +5731,7 @@
           <a:p>
             <a:r>
               <a:rPr lang="ru-RU" dirty="0"/>
-              <a:t>Замятин Матвей и Власюк Демьян </a:t>
+              <a:t>Тимошин Вадим и Власюк Демьян </a:t>
             </a:r>
           </a:p>
           <a:p>
@@ -5828,7 +5821,7 @@
           <a:p>
             <a:r>
               <a:rPr lang="en-US" dirty="0"/>
-              <a:t>File Senior – </a:t>
+              <a:t>PDF Senior – </a:t>
             </a:r>
             <a:r>
               <a:rPr lang="ru-RU" dirty="0"/>
@@ -5836,26 +5829,42 @@
             </a:r>
             <a:r>
               <a:rPr lang="en-US" dirty="0"/>
-              <a:t>pdf</a:t>
-            </a:r>
-            <a:r>
-              <a:rPr lang="ru-RU" dirty="0"/>
-              <a:t>, и из </a:t>
-            </a:r>
-            <a:r>
-              <a:rPr lang="en-US" dirty="0"/>
-              <a:t>pdf </a:t>
-            </a:r>
-            <a:r>
-              <a:rPr lang="ru-RU" dirty="0"/>
-              <a:t>в некоторые другие.</a:t>
-            </a:r>
-          </a:p>
-          <a:p>
+              <a:t>pdf.</a:t>
+            </a:r>
             <a:endParaRPr lang="ru-RU" dirty="0"/>
           </a:p>
         </p:txBody>
       </p:sp>
+      <p:pic>
+        <p:nvPicPr>
+          <p:cNvPr id="5" name="Рисунок 4">
+            <a:extLst>
+              <a:ext uri="{FF2B5EF4-FFF2-40B4-BE49-F238E27FC236}">
+                <a16:creationId xmlns:a16="http://schemas.microsoft.com/office/drawing/2014/main" id="{E7876862-3587-41F9-9A5C-3FFDD78149A6}"/>
+              </a:ext>
+            </a:extLst>
+          </p:cNvPr>
+          <p:cNvPicPr>
+            <a:picLocks noChangeAspect="1"/>
+          </p:cNvPicPr>
+          <p:nvPr/>
+        </p:nvPicPr>
+        <p:blipFill>
+          <a:blip r:embed="rId2"/>
+          <a:stretch>
+            <a:fillRect/>
+          </a:stretch>
+        </p:blipFill>
+        <p:spPr>
+          <a:xfrm>
+            <a:off x="2935705" y="3089727"/>
+            <a:ext cx="6320589" cy="3453280"/>
+          </a:xfrm>
+          <a:prstGeom prst="rect">
+            <a:avLst/>
+          </a:prstGeom>
+        </p:spPr>
+      </p:pic>
     </p:spTree>
     <p:extLst>
       <p:ext uri="{BB962C8B-B14F-4D97-AF65-F5344CB8AC3E}">
@@ -5891,7 +5900,7 @@
           <p:cNvPr id="2" name="Заголовок 1">
             <a:extLst>
               <a:ext uri="{FF2B5EF4-FFF2-40B4-BE49-F238E27FC236}">
-                <a16:creationId xmlns:a16="http://schemas.microsoft.com/office/drawing/2014/main" id="{C078F38F-5718-4D18-8EB7-B9F25A777755}"/>
+                <a16:creationId xmlns:a16="http://schemas.microsoft.com/office/drawing/2014/main" id="{294D7931-DD6F-473D-ADC4-9EC819F4C40D}"/>
               </a:ext>
             </a:extLst>
           </p:cNvPr>
@@ -5909,7 +5918,7 @@
           <a:p>
             <a:r>
               <a:rPr lang="ru-RU" dirty="0"/>
-              <a:t>ТУТ БУДЕТ ИНСТРУКЦИЯ</a:t>
+              <a:t>В ЧЕМ ПОЛЬЗА?</a:t>
             </a:r>
           </a:p>
         </p:txBody>
@@ -5919,7 +5928,7 @@
           <p:cNvPr id="3" name="Объект 2">
             <a:extLst>
               <a:ext uri="{FF2B5EF4-FFF2-40B4-BE49-F238E27FC236}">
-                <a16:creationId xmlns:a16="http://schemas.microsoft.com/office/drawing/2014/main" id="{4A09D57A-8F8D-4481-A280-1005C94A75E4}"/>
+                <a16:creationId xmlns:a16="http://schemas.microsoft.com/office/drawing/2014/main" id="{7973ADD0-1D23-4495-9AF8-4E0FBA3D2D7C}"/>
               </a:ext>
             </a:extLst>
           </p:cNvPr>
@@ -5935,14 +5944,77 @@
           <a:bodyPr/>
           <a:lstStyle/>
           <a:p>
-            <a:endParaRPr lang="ru-RU"/>
+            <a:r>
+              <a:rPr lang="en-US" dirty="0"/>
+              <a:t>1)PDF </a:t>
+            </a:r>
+            <a:r>
+              <a:rPr lang="ru-RU" dirty="0"/>
+              <a:t>открыть можно на любом устройстве.</a:t>
+            </a:r>
+          </a:p>
+          <a:p>
+            <a:r>
+              <a:rPr lang="ru-RU" dirty="0"/>
+              <a:t>2)</a:t>
+            </a:r>
+            <a:r>
+              <a:rPr lang="en-US" dirty="0"/>
+              <a:t>PDF </a:t>
+            </a:r>
+            <a:r>
+              <a:rPr lang="ru-RU" dirty="0"/>
+              <a:t>компактен.</a:t>
+            </a:r>
+          </a:p>
+          <a:p>
+            <a:r>
+              <a:rPr lang="ru-RU" dirty="0"/>
+              <a:t>3)В </a:t>
+            </a:r>
+            <a:r>
+              <a:rPr lang="en-US" dirty="0"/>
+              <a:t>PDF </a:t>
+            </a:r>
+            <a:r>
+              <a:rPr lang="ru-RU" dirty="0"/>
+              <a:t>не будет искажений, не зависимо от того, чем его открывать.</a:t>
+            </a:r>
+          </a:p>
+          <a:p>
+            <a:r>
+              <a:rPr lang="ru-RU" dirty="0"/>
+              <a:t>4)</a:t>
+            </a:r>
+            <a:r>
+              <a:rPr lang="en-US" dirty="0"/>
+              <a:t>PDF </a:t>
+            </a:r>
+            <a:r>
+              <a:rPr lang="ru-RU" dirty="0"/>
+              <a:t>легче адаптировать для людей со спецификой зрения.</a:t>
+            </a:r>
+          </a:p>
+          <a:p>
+            <a:r>
+              <a:rPr lang="ru-RU" dirty="0"/>
+              <a:t>5)</a:t>
+            </a:r>
+            <a:r>
+              <a:rPr lang="en-US" dirty="0"/>
+              <a:t>PDF </a:t>
+            </a:r>
+            <a:r>
+              <a:rPr lang="ru-RU" dirty="0"/>
+              <a:t>удобен.</a:t>
+            </a:r>
           </a:p>
         </p:txBody>
       </p:sp>
     </p:spTree>
     <p:extLst>
       <p:ext uri="{BB962C8B-B14F-4D97-AF65-F5344CB8AC3E}">
-        <p14:creationId xmlns:p14="http://schemas.microsoft.com/office/powerpoint/2010/main" val="585813604"/>
+        <p14:creationId xmlns:p14="http://schemas.microsoft.com/office/powerpoint/2010/main" val="965042707"/>
       </p:ext>
     </p:extLst>
   </p:cSld>
@@ -5974,89 +6046,6 @@
           <p:cNvPr id="2" name="Заголовок 1">
             <a:extLst>
               <a:ext uri="{FF2B5EF4-FFF2-40B4-BE49-F238E27FC236}">
-                <a16:creationId xmlns:a16="http://schemas.microsoft.com/office/drawing/2014/main" id="{FBEB80FB-D53F-461C-B117-FF84AE68D83F}"/>
-              </a:ext>
-            </a:extLst>
-          </p:cNvPr>
-          <p:cNvSpPr>
-            <a:spLocks noGrp="1"/>
-          </p:cNvSpPr>
-          <p:nvPr>
-            <p:ph type="title"/>
-          </p:nvPr>
-        </p:nvSpPr>
-        <p:spPr/>
-        <p:txBody>
-          <a:bodyPr/>
-          <a:lstStyle/>
-          <a:p>
-            <a:r>
-              <a:rPr lang="ru-RU" dirty="0"/>
-              <a:t>ТУТ ПОЯСНИМ ЗА ПРОЦЕСС СОЗДАНИЯ</a:t>
-            </a:r>
-          </a:p>
-        </p:txBody>
-      </p:sp>
-      <p:sp>
-        <p:nvSpPr>
-          <p:cNvPr id="3" name="Объект 2">
-            <a:extLst>
-              <a:ext uri="{FF2B5EF4-FFF2-40B4-BE49-F238E27FC236}">
-                <a16:creationId xmlns:a16="http://schemas.microsoft.com/office/drawing/2014/main" id="{AAEF8A24-3663-40D5-BECF-F272C0BAF76C}"/>
-              </a:ext>
-            </a:extLst>
-          </p:cNvPr>
-          <p:cNvSpPr>
-            <a:spLocks noGrp="1"/>
-          </p:cNvSpPr>
-          <p:nvPr>
-            <p:ph idx="1"/>
-          </p:nvPr>
-        </p:nvSpPr>
-        <p:spPr/>
-        <p:txBody>
-          <a:bodyPr/>
-          <a:lstStyle/>
-          <a:p>
-            <a:endParaRPr lang="ru-RU"/>
-          </a:p>
-        </p:txBody>
-      </p:sp>
-    </p:spTree>
-    <p:extLst>
-      <p:ext uri="{BB962C8B-B14F-4D97-AF65-F5344CB8AC3E}">
-        <p14:creationId xmlns:p14="http://schemas.microsoft.com/office/powerpoint/2010/main" val="2352781398"/>
-      </p:ext>
-    </p:extLst>
-  </p:cSld>
-  <p:clrMapOvr>
-    <a:masterClrMapping/>
-  </p:clrMapOvr>
-</p:sld>
-</file>
-
-<file path=ppt/slides/slide5.xml><?xml version="1.0" encoding="utf-8"?>
-<p:sld xmlns:a="http://schemas.openxmlformats.org/drawingml/2006/main" xmlns:r="http://schemas.openxmlformats.org/officeDocument/2006/relationships" xmlns:p="http://schemas.openxmlformats.org/presentationml/2006/main">
-  <p:cSld>
-    <p:spTree>
-      <p:nvGrpSpPr>
-        <p:cNvPr id="1" name=""/>
-        <p:cNvGrpSpPr/>
-        <p:nvPr/>
-      </p:nvGrpSpPr>
-      <p:grpSpPr>
-        <a:xfrm>
-          <a:off x="0" y="0"/>
-          <a:ext cx="0" cy="0"/>
-          <a:chOff x="0" y="0"/>
-          <a:chExt cx="0" cy="0"/>
-        </a:xfrm>
-      </p:grpSpPr>
-      <p:sp>
-        <p:nvSpPr>
-          <p:cNvPr id="2" name="Заголовок 1">
-            <a:extLst>
-              <a:ext uri="{FF2B5EF4-FFF2-40B4-BE49-F238E27FC236}">
                 <a16:creationId xmlns:a16="http://schemas.microsoft.com/office/drawing/2014/main" id="{53F7E853-452C-4E27-B9A8-4B78D861ADED}"/>
               </a:ext>
             </a:extLst>
@@ -6224,7 +6213,7 @@
 </p:sld>
 </file>
 
-<file path=ppt/slides/slide6.xml><?xml version="1.0" encoding="utf-8"?>
+<file path=ppt/slides/slide5.xml><?xml version="1.0" encoding="utf-8"?>
 <p:sld xmlns:a="http://schemas.openxmlformats.org/drawingml/2006/main" xmlns:r="http://schemas.openxmlformats.org/officeDocument/2006/relationships" xmlns:p="http://schemas.openxmlformats.org/presentationml/2006/main">
   <p:cSld>
     <p:spTree>
